--- a/temperature_effect_on_flow_curves.pptx
+++ b/temperature_effect_on_flow_curves.pptx
@@ -13,6 +13,7 @@
     <p:sldId id="281" r:id="rId7"/>
     <p:sldId id="285" r:id="rId8"/>
     <p:sldId id="286" r:id="rId9"/>
+    <p:sldId id="287" r:id="rId10"/>
   </p:sldIdLst>
   <p:sldSz cx="12192000" cy="6858000"/>
   <p:notesSz cx="6858000" cy="9144000"/>
@@ -111,6 +112,11 @@
       </a:defRPr>
     </a:lvl9pPr>
   </p:defaultTextStyle>
+  <p:extLst>
+    <p:ext uri="{EFAFB233-063F-42B5-8137-9DF3F51BA10A}">
+      <p15:sldGuideLst xmlns:p15="http://schemas.microsoft.com/office/powerpoint/2012/main"/>
+    </p:ext>
+  </p:extLst>
 </p:presentation>
 </file>
 
@@ -263,7 +269,7 @@
           <a:p>
             <a:fld id="{8279156B-F1B5-4B94-B518-32885F5D996E}" type="datetimeFigureOut">
               <a:rPr lang="en-US" smtClean="0"/>
-              <a:t>2/2/2022</a:t>
+              <a:t>2/3/2022</a:t>
             </a:fld>
             <a:endParaRPr lang="en-US"/>
           </a:p>
@@ -463,7 +469,7 @@
           <a:p>
             <a:fld id="{8279156B-F1B5-4B94-B518-32885F5D996E}" type="datetimeFigureOut">
               <a:rPr lang="en-US" smtClean="0"/>
-              <a:t>2/2/2022</a:t>
+              <a:t>2/3/2022</a:t>
             </a:fld>
             <a:endParaRPr lang="en-US"/>
           </a:p>
@@ -673,7 +679,7 @@
           <a:p>
             <a:fld id="{8279156B-F1B5-4B94-B518-32885F5D996E}" type="datetimeFigureOut">
               <a:rPr lang="en-US" smtClean="0"/>
-              <a:t>2/2/2022</a:t>
+              <a:t>2/3/2022</a:t>
             </a:fld>
             <a:endParaRPr lang="en-US"/>
           </a:p>
@@ -873,7 +879,7 @@
           <a:p>
             <a:fld id="{8279156B-F1B5-4B94-B518-32885F5D996E}" type="datetimeFigureOut">
               <a:rPr lang="en-US" smtClean="0"/>
-              <a:t>2/2/2022</a:t>
+              <a:t>2/3/2022</a:t>
             </a:fld>
             <a:endParaRPr lang="en-US"/>
           </a:p>
@@ -1149,7 +1155,7 @@
           <a:p>
             <a:fld id="{8279156B-F1B5-4B94-B518-32885F5D996E}" type="datetimeFigureOut">
               <a:rPr lang="en-US" smtClean="0"/>
-              <a:t>2/2/2022</a:t>
+              <a:t>2/3/2022</a:t>
             </a:fld>
             <a:endParaRPr lang="en-US"/>
           </a:p>
@@ -1417,7 +1423,7 @@
           <a:p>
             <a:fld id="{8279156B-F1B5-4B94-B518-32885F5D996E}" type="datetimeFigureOut">
               <a:rPr lang="en-US" smtClean="0"/>
-              <a:t>2/2/2022</a:t>
+              <a:t>2/3/2022</a:t>
             </a:fld>
             <a:endParaRPr lang="en-US"/>
           </a:p>
@@ -1832,7 +1838,7 @@
           <a:p>
             <a:fld id="{8279156B-F1B5-4B94-B518-32885F5D996E}" type="datetimeFigureOut">
               <a:rPr lang="en-US" smtClean="0"/>
-              <a:t>2/2/2022</a:t>
+              <a:t>2/3/2022</a:t>
             </a:fld>
             <a:endParaRPr lang="en-US"/>
           </a:p>
@@ -1974,7 +1980,7 @@
           <a:p>
             <a:fld id="{8279156B-F1B5-4B94-B518-32885F5D996E}" type="datetimeFigureOut">
               <a:rPr lang="en-US" smtClean="0"/>
-              <a:t>2/2/2022</a:t>
+              <a:t>2/3/2022</a:t>
             </a:fld>
             <a:endParaRPr lang="en-US"/>
           </a:p>
@@ -2087,7 +2093,7 @@
           <a:p>
             <a:fld id="{8279156B-F1B5-4B94-B518-32885F5D996E}" type="datetimeFigureOut">
               <a:rPr lang="en-US" smtClean="0"/>
-              <a:t>2/2/2022</a:t>
+              <a:t>2/3/2022</a:t>
             </a:fld>
             <a:endParaRPr lang="en-US"/>
           </a:p>
@@ -2400,7 +2406,7 @@
           <a:p>
             <a:fld id="{8279156B-F1B5-4B94-B518-32885F5D996E}" type="datetimeFigureOut">
               <a:rPr lang="en-US" smtClean="0"/>
-              <a:t>2/2/2022</a:t>
+              <a:t>2/3/2022</a:t>
             </a:fld>
             <a:endParaRPr lang="en-US"/>
           </a:p>
@@ -2689,7 +2695,7 @@
           <a:p>
             <a:fld id="{8279156B-F1B5-4B94-B518-32885F5D996E}" type="datetimeFigureOut">
               <a:rPr lang="en-US" smtClean="0"/>
-              <a:t>2/2/2022</a:t>
+              <a:t>2/3/2022</a:t>
             </a:fld>
             <a:endParaRPr lang="en-US"/>
           </a:p>
@@ -2932,7 +2938,7 @@
           <a:p>
             <a:fld id="{8279156B-F1B5-4B94-B518-32885F5D996E}" type="datetimeFigureOut">
               <a:rPr lang="en-US" smtClean="0"/>
-              <a:t>2/2/2022</a:t>
+              <a:t>2/3/2022</a:t>
             </a:fld>
             <a:endParaRPr lang="en-US"/>
           </a:p>
@@ -6853,6 +6859,172 @@
 </p:sld>
 </file>
 
+<file path=ppt/slides/slide9.xml><?xml version="1.0" encoding="utf-8"?>
+<p:sld xmlns:a="http://schemas.openxmlformats.org/drawingml/2006/main" xmlns:r="http://schemas.openxmlformats.org/officeDocument/2006/relationships" xmlns:p="http://schemas.openxmlformats.org/presentationml/2006/main">
+  <p:cSld>
+    <p:spTree>
+      <p:nvGrpSpPr>
+        <p:cNvPr id="1" name=""/>
+        <p:cNvGrpSpPr/>
+        <p:nvPr/>
+      </p:nvGrpSpPr>
+      <p:grpSpPr>
+        <a:xfrm>
+          <a:off x="0" y="0"/>
+          <a:ext cx="0" cy="0"/>
+          <a:chOff x="0" y="0"/>
+          <a:chExt cx="0" cy="0"/>
+        </a:xfrm>
+      </p:grpSpPr>
+      <p:sp>
+        <p:nvSpPr>
+          <p:cNvPr id="4" name="Title 1">
+            <a:extLst>
+              <a:ext uri="{FF2B5EF4-FFF2-40B4-BE49-F238E27FC236}">
+                <a16:creationId xmlns:a16="http://schemas.microsoft.com/office/drawing/2014/main" id="{AE5322DC-9B9C-4FA6-A67A-B268C1AD69EC}"/>
+              </a:ext>
+            </a:extLst>
+          </p:cNvPr>
+          <p:cNvSpPr>
+            <a:spLocks noGrp="1"/>
+          </p:cNvSpPr>
+          <p:nvPr>
+            <p:ph type="title"/>
+          </p:nvPr>
+        </p:nvSpPr>
+        <p:spPr>
+          <a:xfrm>
+            <a:off x="66832" y="147894"/>
+            <a:ext cx="10515600" cy="1325563"/>
+          </a:xfrm>
+        </p:spPr>
+        <p:txBody>
+          <a:bodyPr/>
+          <a:lstStyle/>
+          <a:p>
+            <a:r>
+              <a:rPr lang="fr-CH" dirty="0" err="1"/>
+              <a:t>Temperature</a:t>
+            </a:r>
+            <a:r>
+              <a:rPr lang="fr-CH" dirty="0"/>
+              <a:t> </a:t>
+            </a:r>
+            <a:r>
+              <a:rPr lang="fr-CH" dirty="0" err="1"/>
+              <a:t>effect</a:t>
+            </a:r>
+            <a:br>
+              <a:rPr lang="fr-CH" dirty="0"/>
+            </a:br>
+            <a:r>
+              <a:rPr lang="fr-CH" sz="2800" dirty="0"/>
+              <a:t>on </a:t>
+            </a:r>
+            <a:r>
+              <a:rPr lang="fr-CH" sz="2800" dirty="0" err="1"/>
+              <a:t>elastic</a:t>
+            </a:r>
+            <a:r>
+              <a:rPr lang="fr-CH" sz="2800" dirty="0"/>
+              <a:t> </a:t>
+            </a:r>
+            <a:r>
+              <a:rPr lang="fr-CH" sz="2800" dirty="0" err="1"/>
+              <a:t>modulus</a:t>
+            </a:r>
+            <a:endParaRPr lang="en-US" dirty="0"/>
+          </a:p>
+        </p:txBody>
+      </p:sp>
+      <p:pic>
+        <p:nvPicPr>
+          <p:cNvPr id="6" name="Image 5">
+            <a:extLst>
+              <a:ext uri="{FF2B5EF4-FFF2-40B4-BE49-F238E27FC236}">
+                <a16:creationId xmlns:a16="http://schemas.microsoft.com/office/drawing/2014/main" id="{729ACF1C-1064-4A10-A137-6CA53EB7096B}"/>
+              </a:ext>
+            </a:extLst>
+          </p:cNvPr>
+          <p:cNvPicPr>
+            <a:picLocks noChangeAspect="1"/>
+          </p:cNvPicPr>
+          <p:nvPr/>
+        </p:nvPicPr>
+        <p:blipFill>
+          <a:blip r:embed="rId2">
+            <a:extLst>
+              <a:ext uri="{28A0092B-C50C-407E-A947-70E740481C1C}">
+                <a14:useLocalDpi xmlns:a14="http://schemas.microsoft.com/office/drawing/2010/main" val="0"/>
+              </a:ext>
+            </a:extLst>
+          </a:blip>
+          <a:stretch>
+            <a:fillRect/>
+          </a:stretch>
+        </p:blipFill>
+        <p:spPr>
+          <a:xfrm>
+            <a:off x="509117" y="1611518"/>
+            <a:ext cx="7603251" cy="2816358"/>
+          </a:xfrm>
+          <a:prstGeom prst="rect">
+            <a:avLst/>
+          </a:prstGeom>
+        </p:spPr>
+      </p:pic>
+      <p:sp>
+        <p:nvSpPr>
+          <p:cNvPr id="7" name="ZoneTexte 6">
+            <a:extLst>
+              <a:ext uri="{FF2B5EF4-FFF2-40B4-BE49-F238E27FC236}">
+                <a16:creationId xmlns:a16="http://schemas.microsoft.com/office/drawing/2014/main" id="{709BDA64-C9E0-45A6-B095-DC47A532D739}"/>
+              </a:ext>
+            </a:extLst>
+          </p:cNvPr>
+          <p:cNvSpPr txBox="1"/>
+          <p:nvPr/>
+        </p:nvSpPr>
+        <p:spPr>
+          <a:xfrm>
+            <a:off x="1053737" y="4604693"/>
+            <a:ext cx="3001399" cy="369332"/>
+          </a:xfrm>
+          <a:prstGeom prst="rect">
+            <a:avLst/>
+          </a:prstGeom>
+          <a:noFill/>
+        </p:spPr>
+        <p:txBody>
+          <a:bodyPr wrap="none" rtlCol="0">
+            <a:spAutoFit/>
+          </a:bodyPr>
+          <a:lstStyle/>
+          <a:p>
+            <a:r>
+              <a:rPr lang="en-US" dirty="0">
+                <a:latin typeface="Linux Biolinum" panose="02000503000000000000" pitchFamily="2" charset="0"/>
+                <a:ea typeface="Linux Biolinum" panose="02000503000000000000" pitchFamily="2" charset="0"/>
+                <a:cs typeface="Linux Biolinum" panose="02000503000000000000" pitchFamily="2" charset="0"/>
+              </a:rPr>
+              <a:t>small effect, unclear tendency</a:t>
+            </a:r>
+          </a:p>
+        </p:txBody>
+      </p:sp>
+    </p:spTree>
+    <p:extLst>
+      <p:ext uri="{BB962C8B-B14F-4D97-AF65-F5344CB8AC3E}">
+        <p14:creationId xmlns:p14="http://schemas.microsoft.com/office/powerpoint/2010/main" val="1246131274"/>
+      </p:ext>
+    </p:extLst>
+  </p:cSld>
+  <p:clrMapOvr>
+    <a:masterClrMapping/>
+  </p:clrMapOvr>
+</p:sld>
+</file>
+
 <file path=ppt/theme/theme1.xml><?xml version="1.0" encoding="utf-8"?>
 <a:theme xmlns:a="http://schemas.openxmlformats.org/drawingml/2006/main" name="Thème Office">
   <a:themeElements>

--- a/temperature_effect_on_flow_curves.pptx
+++ b/temperature_effect_on_flow_curves.pptx
@@ -11,9 +11,10 @@
     <p:sldId id="275" r:id="rId5"/>
     <p:sldId id="276" r:id="rId6"/>
     <p:sldId id="281" r:id="rId7"/>
-    <p:sldId id="285" r:id="rId8"/>
-    <p:sldId id="286" r:id="rId9"/>
-    <p:sldId id="287" r:id="rId10"/>
+    <p:sldId id="288" r:id="rId8"/>
+    <p:sldId id="285" r:id="rId9"/>
+    <p:sldId id="286" r:id="rId10"/>
+    <p:sldId id="287" r:id="rId11"/>
   </p:sldIdLst>
   <p:sldSz cx="12192000" cy="6858000"/>
   <p:notesSz cx="6858000" cy="9144000"/>
@@ -269,7 +270,7 @@
           <a:p>
             <a:fld id="{8279156B-F1B5-4B94-B518-32885F5D996E}" type="datetimeFigureOut">
               <a:rPr lang="en-US" smtClean="0"/>
-              <a:t>2/3/2022</a:t>
+              <a:t>3/11/2022</a:t>
             </a:fld>
             <a:endParaRPr lang="en-US"/>
           </a:p>
@@ -323,7 +324,7 @@
           <a:p>
             <a:fld id="{1E2A1502-C57E-4F8A-A558-50D5823A6D15}" type="slidenum">
               <a:rPr lang="en-US" smtClean="0"/>
-              <a:t>‹N°›</a:t>
+              <a:t>‹#›</a:t>
             </a:fld>
             <a:endParaRPr lang="en-US"/>
           </a:p>
@@ -469,7 +470,7 @@
           <a:p>
             <a:fld id="{8279156B-F1B5-4B94-B518-32885F5D996E}" type="datetimeFigureOut">
               <a:rPr lang="en-US" smtClean="0"/>
-              <a:t>2/3/2022</a:t>
+              <a:t>3/11/2022</a:t>
             </a:fld>
             <a:endParaRPr lang="en-US"/>
           </a:p>
@@ -523,7 +524,7 @@
           <a:p>
             <a:fld id="{1E2A1502-C57E-4F8A-A558-50D5823A6D15}" type="slidenum">
               <a:rPr lang="en-US" smtClean="0"/>
-              <a:t>‹N°›</a:t>
+              <a:t>‹#›</a:t>
             </a:fld>
             <a:endParaRPr lang="en-US"/>
           </a:p>
@@ -679,7 +680,7 @@
           <a:p>
             <a:fld id="{8279156B-F1B5-4B94-B518-32885F5D996E}" type="datetimeFigureOut">
               <a:rPr lang="en-US" smtClean="0"/>
-              <a:t>2/3/2022</a:t>
+              <a:t>3/11/2022</a:t>
             </a:fld>
             <a:endParaRPr lang="en-US"/>
           </a:p>
@@ -733,7 +734,7 @@
           <a:p>
             <a:fld id="{1E2A1502-C57E-4F8A-A558-50D5823A6D15}" type="slidenum">
               <a:rPr lang="en-US" smtClean="0"/>
-              <a:t>‹N°›</a:t>
+              <a:t>‹#›</a:t>
             </a:fld>
             <a:endParaRPr lang="en-US"/>
           </a:p>
@@ -879,7 +880,7 @@
           <a:p>
             <a:fld id="{8279156B-F1B5-4B94-B518-32885F5D996E}" type="datetimeFigureOut">
               <a:rPr lang="en-US" smtClean="0"/>
-              <a:t>2/3/2022</a:t>
+              <a:t>3/11/2022</a:t>
             </a:fld>
             <a:endParaRPr lang="en-US"/>
           </a:p>
@@ -933,7 +934,7 @@
           <a:p>
             <a:fld id="{1E2A1502-C57E-4F8A-A558-50D5823A6D15}" type="slidenum">
               <a:rPr lang="en-US" smtClean="0"/>
-              <a:t>‹N°›</a:t>
+              <a:t>‹#›</a:t>
             </a:fld>
             <a:endParaRPr lang="en-US"/>
           </a:p>
@@ -1155,7 +1156,7 @@
           <a:p>
             <a:fld id="{8279156B-F1B5-4B94-B518-32885F5D996E}" type="datetimeFigureOut">
               <a:rPr lang="en-US" smtClean="0"/>
-              <a:t>2/3/2022</a:t>
+              <a:t>3/11/2022</a:t>
             </a:fld>
             <a:endParaRPr lang="en-US"/>
           </a:p>
@@ -1209,7 +1210,7 @@
           <a:p>
             <a:fld id="{1E2A1502-C57E-4F8A-A558-50D5823A6D15}" type="slidenum">
               <a:rPr lang="en-US" smtClean="0"/>
-              <a:t>‹N°›</a:t>
+              <a:t>‹#›</a:t>
             </a:fld>
             <a:endParaRPr lang="en-US"/>
           </a:p>
@@ -1423,7 +1424,7 @@
           <a:p>
             <a:fld id="{8279156B-F1B5-4B94-B518-32885F5D996E}" type="datetimeFigureOut">
               <a:rPr lang="en-US" smtClean="0"/>
-              <a:t>2/3/2022</a:t>
+              <a:t>3/11/2022</a:t>
             </a:fld>
             <a:endParaRPr lang="en-US"/>
           </a:p>
@@ -1477,7 +1478,7 @@
           <a:p>
             <a:fld id="{1E2A1502-C57E-4F8A-A558-50D5823A6D15}" type="slidenum">
               <a:rPr lang="en-US" smtClean="0"/>
-              <a:t>‹N°›</a:t>
+              <a:t>‹#›</a:t>
             </a:fld>
             <a:endParaRPr lang="en-US"/>
           </a:p>
@@ -1838,7 +1839,7 @@
           <a:p>
             <a:fld id="{8279156B-F1B5-4B94-B518-32885F5D996E}" type="datetimeFigureOut">
               <a:rPr lang="en-US" smtClean="0"/>
-              <a:t>2/3/2022</a:t>
+              <a:t>3/11/2022</a:t>
             </a:fld>
             <a:endParaRPr lang="en-US"/>
           </a:p>
@@ -1892,7 +1893,7 @@
           <a:p>
             <a:fld id="{1E2A1502-C57E-4F8A-A558-50D5823A6D15}" type="slidenum">
               <a:rPr lang="en-US" smtClean="0"/>
-              <a:t>‹N°›</a:t>
+              <a:t>‹#›</a:t>
             </a:fld>
             <a:endParaRPr lang="en-US"/>
           </a:p>
@@ -1980,7 +1981,7 @@
           <a:p>
             <a:fld id="{8279156B-F1B5-4B94-B518-32885F5D996E}" type="datetimeFigureOut">
               <a:rPr lang="en-US" smtClean="0"/>
-              <a:t>2/3/2022</a:t>
+              <a:t>3/11/2022</a:t>
             </a:fld>
             <a:endParaRPr lang="en-US"/>
           </a:p>
@@ -2034,7 +2035,7 @@
           <a:p>
             <a:fld id="{1E2A1502-C57E-4F8A-A558-50D5823A6D15}" type="slidenum">
               <a:rPr lang="en-US" smtClean="0"/>
-              <a:t>‹N°›</a:t>
+              <a:t>‹#›</a:t>
             </a:fld>
             <a:endParaRPr lang="en-US"/>
           </a:p>
@@ -2093,7 +2094,7 @@
           <a:p>
             <a:fld id="{8279156B-F1B5-4B94-B518-32885F5D996E}" type="datetimeFigureOut">
               <a:rPr lang="en-US" smtClean="0"/>
-              <a:t>2/3/2022</a:t>
+              <a:t>3/11/2022</a:t>
             </a:fld>
             <a:endParaRPr lang="en-US"/>
           </a:p>
@@ -2147,7 +2148,7 @@
           <a:p>
             <a:fld id="{1E2A1502-C57E-4F8A-A558-50D5823A6D15}" type="slidenum">
               <a:rPr lang="en-US" smtClean="0"/>
-              <a:t>‹N°›</a:t>
+              <a:t>‹#›</a:t>
             </a:fld>
             <a:endParaRPr lang="en-US"/>
           </a:p>
@@ -2406,7 +2407,7 @@
           <a:p>
             <a:fld id="{8279156B-F1B5-4B94-B518-32885F5D996E}" type="datetimeFigureOut">
               <a:rPr lang="en-US" smtClean="0"/>
-              <a:t>2/3/2022</a:t>
+              <a:t>3/11/2022</a:t>
             </a:fld>
             <a:endParaRPr lang="en-US"/>
           </a:p>
@@ -2460,7 +2461,7 @@
           <a:p>
             <a:fld id="{1E2A1502-C57E-4F8A-A558-50D5823A6D15}" type="slidenum">
               <a:rPr lang="en-US" smtClean="0"/>
-              <a:t>‹N°›</a:t>
+              <a:t>‹#›</a:t>
             </a:fld>
             <a:endParaRPr lang="en-US"/>
           </a:p>
@@ -2695,7 +2696,7 @@
           <a:p>
             <a:fld id="{8279156B-F1B5-4B94-B518-32885F5D996E}" type="datetimeFigureOut">
               <a:rPr lang="en-US" smtClean="0"/>
-              <a:t>2/3/2022</a:t>
+              <a:t>3/11/2022</a:t>
             </a:fld>
             <a:endParaRPr lang="en-US"/>
           </a:p>
@@ -2749,7 +2750,7 @@
           <a:p>
             <a:fld id="{1E2A1502-C57E-4F8A-A558-50D5823A6D15}" type="slidenum">
               <a:rPr lang="en-US" smtClean="0"/>
-              <a:t>‹N°›</a:t>
+              <a:t>‹#›</a:t>
             </a:fld>
             <a:endParaRPr lang="en-US"/>
           </a:p>
@@ -2938,7 +2939,7 @@
           <a:p>
             <a:fld id="{8279156B-F1B5-4B94-B518-32885F5D996E}" type="datetimeFigureOut">
               <a:rPr lang="en-US" smtClean="0"/>
-              <a:t>2/3/2022</a:t>
+              <a:t>3/11/2022</a:t>
             </a:fld>
             <a:endParaRPr lang="en-US"/>
           </a:p>
@@ -3028,7 +3029,7 @@
           <a:p>
             <a:fld id="{1E2A1502-C57E-4F8A-A558-50D5823A6D15}" type="slidenum">
               <a:rPr lang="en-US" smtClean="0"/>
-              <a:t>‹N°›</a:t>
+              <a:t>‹#›</a:t>
             </a:fld>
             <a:endParaRPr lang="en-US"/>
           </a:p>
@@ -3941,6 +3942,172 @@
 </p:sld>
 </file>
 
+<file path=ppt/slides/slide10.xml><?xml version="1.0" encoding="utf-8"?>
+<p:sld xmlns:a="http://schemas.openxmlformats.org/drawingml/2006/main" xmlns:r="http://schemas.openxmlformats.org/officeDocument/2006/relationships" xmlns:p="http://schemas.openxmlformats.org/presentationml/2006/main">
+  <p:cSld>
+    <p:spTree>
+      <p:nvGrpSpPr>
+        <p:cNvPr id="1" name=""/>
+        <p:cNvGrpSpPr/>
+        <p:nvPr/>
+      </p:nvGrpSpPr>
+      <p:grpSpPr>
+        <a:xfrm>
+          <a:off x="0" y="0"/>
+          <a:ext cx="0" cy="0"/>
+          <a:chOff x="0" y="0"/>
+          <a:chExt cx="0" cy="0"/>
+        </a:xfrm>
+      </p:grpSpPr>
+      <p:sp>
+        <p:nvSpPr>
+          <p:cNvPr id="4" name="Title 1">
+            <a:extLst>
+              <a:ext uri="{FF2B5EF4-FFF2-40B4-BE49-F238E27FC236}">
+                <a16:creationId xmlns:a16="http://schemas.microsoft.com/office/drawing/2014/main" id="{AE5322DC-9B9C-4FA6-A67A-B268C1AD69EC}"/>
+              </a:ext>
+            </a:extLst>
+          </p:cNvPr>
+          <p:cNvSpPr>
+            <a:spLocks noGrp="1"/>
+          </p:cNvSpPr>
+          <p:nvPr>
+            <p:ph type="title"/>
+          </p:nvPr>
+        </p:nvSpPr>
+        <p:spPr>
+          <a:xfrm>
+            <a:off x="66832" y="147894"/>
+            <a:ext cx="10515600" cy="1325563"/>
+          </a:xfrm>
+        </p:spPr>
+        <p:txBody>
+          <a:bodyPr/>
+          <a:lstStyle/>
+          <a:p>
+            <a:r>
+              <a:rPr lang="fr-CH" dirty="0" err="1"/>
+              <a:t>Temperature</a:t>
+            </a:r>
+            <a:r>
+              <a:rPr lang="fr-CH" dirty="0"/>
+              <a:t> </a:t>
+            </a:r>
+            <a:r>
+              <a:rPr lang="fr-CH" dirty="0" err="1"/>
+              <a:t>effect</a:t>
+            </a:r>
+            <a:br>
+              <a:rPr lang="fr-CH" dirty="0"/>
+            </a:br>
+            <a:r>
+              <a:rPr lang="fr-CH" sz="2800" dirty="0"/>
+              <a:t>on </a:t>
+            </a:r>
+            <a:r>
+              <a:rPr lang="fr-CH" sz="2800" dirty="0" err="1"/>
+              <a:t>elastic</a:t>
+            </a:r>
+            <a:r>
+              <a:rPr lang="fr-CH" sz="2800" dirty="0"/>
+              <a:t> </a:t>
+            </a:r>
+            <a:r>
+              <a:rPr lang="fr-CH" sz="2800" dirty="0" err="1"/>
+              <a:t>modulus</a:t>
+            </a:r>
+            <a:endParaRPr lang="en-US" dirty="0"/>
+          </a:p>
+        </p:txBody>
+      </p:sp>
+      <p:pic>
+        <p:nvPicPr>
+          <p:cNvPr id="6" name="Image 5">
+            <a:extLst>
+              <a:ext uri="{FF2B5EF4-FFF2-40B4-BE49-F238E27FC236}">
+                <a16:creationId xmlns:a16="http://schemas.microsoft.com/office/drawing/2014/main" id="{729ACF1C-1064-4A10-A137-6CA53EB7096B}"/>
+              </a:ext>
+            </a:extLst>
+          </p:cNvPr>
+          <p:cNvPicPr>
+            <a:picLocks noChangeAspect="1"/>
+          </p:cNvPicPr>
+          <p:nvPr/>
+        </p:nvPicPr>
+        <p:blipFill>
+          <a:blip r:embed="rId2">
+            <a:extLst>
+              <a:ext uri="{28A0092B-C50C-407E-A947-70E740481C1C}">
+                <a14:useLocalDpi xmlns:a14="http://schemas.microsoft.com/office/drawing/2010/main" val="0"/>
+              </a:ext>
+            </a:extLst>
+          </a:blip>
+          <a:stretch>
+            <a:fillRect/>
+          </a:stretch>
+        </p:blipFill>
+        <p:spPr>
+          <a:xfrm>
+            <a:off x="509117" y="1611518"/>
+            <a:ext cx="7603251" cy="2816358"/>
+          </a:xfrm>
+          <a:prstGeom prst="rect">
+            <a:avLst/>
+          </a:prstGeom>
+        </p:spPr>
+      </p:pic>
+      <p:sp>
+        <p:nvSpPr>
+          <p:cNvPr id="7" name="ZoneTexte 6">
+            <a:extLst>
+              <a:ext uri="{FF2B5EF4-FFF2-40B4-BE49-F238E27FC236}">
+                <a16:creationId xmlns:a16="http://schemas.microsoft.com/office/drawing/2014/main" id="{709BDA64-C9E0-45A6-B095-DC47A532D739}"/>
+              </a:ext>
+            </a:extLst>
+          </p:cNvPr>
+          <p:cNvSpPr txBox="1"/>
+          <p:nvPr/>
+        </p:nvSpPr>
+        <p:spPr>
+          <a:xfrm>
+            <a:off x="1053737" y="4604693"/>
+            <a:ext cx="3001399" cy="369332"/>
+          </a:xfrm>
+          <a:prstGeom prst="rect">
+            <a:avLst/>
+          </a:prstGeom>
+          <a:noFill/>
+        </p:spPr>
+        <p:txBody>
+          <a:bodyPr wrap="none" rtlCol="0">
+            <a:spAutoFit/>
+          </a:bodyPr>
+          <a:lstStyle/>
+          <a:p>
+            <a:r>
+              <a:rPr lang="en-US" dirty="0">
+                <a:latin typeface="Linux Biolinum" panose="02000503000000000000" pitchFamily="2" charset="0"/>
+                <a:ea typeface="Linux Biolinum" panose="02000503000000000000" pitchFamily="2" charset="0"/>
+                <a:cs typeface="Linux Biolinum" panose="02000503000000000000" pitchFamily="2" charset="0"/>
+              </a:rPr>
+              <a:t>small effect, unclear tendency</a:t>
+            </a:r>
+          </a:p>
+        </p:txBody>
+      </p:sp>
+    </p:spTree>
+    <p:extLst>
+      <p:ext uri="{BB962C8B-B14F-4D97-AF65-F5344CB8AC3E}">
+        <p14:creationId xmlns:p14="http://schemas.microsoft.com/office/powerpoint/2010/main" val="1246131274"/>
+      </p:ext>
+    </p:extLst>
+  </p:cSld>
+  <p:clrMapOvr>
+    <a:masterClrMapping/>
+  </p:clrMapOvr>
+</p:sld>
+</file>
+
 <file path=ppt/slides/slide2.xml><?xml version="1.0" encoding="utf-8"?>
 <p:sld xmlns:a="http://schemas.openxmlformats.org/drawingml/2006/main" xmlns:r="http://schemas.openxmlformats.org/officeDocument/2006/relationships" xmlns:p="http://schemas.openxmlformats.org/presentationml/2006/main">
   <p:cSld>
@@ -5527,7 +5694,9 @@
           </a:xfrm>
         </p:spPr>
         <p:txBody>
-          <a:bodyPr/>
+          <a:bodyPr>
+            <a:normAutofit fontScale="90000"/>
+          </a:bodyPr>
           <a:lstStyle/>
           <a:p>
             <a:r>
@@ -6234,77 +6403,12 @@
           <a:chExt cx="0" cy="0"/>
         </a:xfrm>
       </p:grpSpPr>
-      <p:sp>
-        <p:nvSpPr>
-          <p:cNvPr id="4" name="Title 1">
-            <a:extLst>
-              <a:ext uri="{FF2B5EF4-FFF2-40B4-BE49-F238E27FC236}">
-                <a16:creationId xmlns:a16="http://schemas.microsoft.com/office/drawing/2014/main" id="{715D238A-F768-4725-A31F-67E44DFE07A8}"/>
-              </a:ext>
-            </a:extLst>
-          </p:cNvPr>
-          <p:cNvSpPr>
-            <a:spLocks noGrp="1"/>
-          </p:cNvSpPr>
-          <p:nvPr>
-            <p:ph type="title"/>
-          </p:nvPr>
-        </p:nvSpPr>
-        <p:spPr>
-          <a:xfrm>
-            <a:off x="66832" y="147894"/>
-            <a:ext cx="10515600" cy="1325563"/>
-          </a:xfrm>
-        </p:spPr>
-        <p:txBody>
-          <a:bodyPr/>
-          <a:lstStyle/>
-          <a:p>
-            <a:r>
-              <a:rPr lang="fr-CH" dirty="0" err="1"/>
-              <a:t>Temperature</a:t>
-            </a:r>
-            <a:r>
-              <a:rPr lang="fr-CH" dirty="0"/>
-              <a:t> </a:t>
-            </a:r>
-            <a:r>
-              <a:rPr lang="fr-CH" dirty="0" err="1"/>
-              <a:t>effect</a:t>
-            </a:r>
-            <a:br>
-              <a:rPr lang="fr-CH" dirty="0"/>
-            </a:br>
-            <a:r>
-              <a:rPr lang="fr-CH" sz="2800" dirty="0"/>
-              <a:t>on </a:t>
-            </a:r>
-            <a:r>
-              <a:rPr lang="fr-CH" sz="2800" dirty="0" err="1"/>
-              <a:t>caracteristic</a:t>
-            </a:r>
-            <a:r>
-              <a:rPr lang="fr-CH" sz="2800" dirty="0"/>
-              <a:t> </a:t>
-            </a:r>
-            <a:r>
-              <a:rPr lang="fr-CH" sz="2800" dirty="0" err="1"/>
-              <a:t>shear</a:t>
-            </a:r>
-            <a:r>
-              <a:rPr lang="fr-CH" sz="2800" dirty="0"/>
-              <a:t> rate</a:t>
-            </a:r>
-            <a:endParaRPr lang="en-US" dirty="0"/>
-          </a:p>
-        </p:txBody>
-      </p:sp>
       <p:pic>
         <p:nvPicPr>
-          <p:cNvPr id="6" name="Image 5">
-            <a:extLst>
-              <a:ext uri="{FF2B5EF4-FFF2-40B4-BE49-F238E27FC236}">
-                <a16:creationId xmlns:a16="http://schemas.microsoft.com/office/drawing/2014/main" id="{6348FCC3-194A-48C1-9F4F-FB92C4A110DC}"/>
+          <p:cNvPr id="4" name="Image 5">
+            <a:extLst>
+              <a:ext uri="{FF2B5EF4-FFF2-40B4-BE49-F238E27FC236}">
+                <a16:creationId xmlns:a16="http://schemas.microsoft.com/office/drawing/2014/main" id="{DF3E6F5F-3F42-4A3D-85C7-F02DC94D8202}"/>
               </a:ext>
             </a:extLst>
           </p:cNvPr>
@@ -6327,18 +6431,231 @@
         </p:blipFill>
         <p:spPr>
           <a:xfrm>
-            <a:off x="527405" y="1690331"/>
-            <a:ext cx="7566675" cy="2798070"/>
+            <a:off x="0" y="1270"/>
+            <a:ext cx="6096000" cy="2254231"/>
           </a:xfrm>
           <a:prstGeom prst="rect">
             <a:avLst/>
           </a:prstGeom>
         </p:spPr>
       </p:pic>
+      <p:pic>
+        <p:nvPicPr>
+          <p:cNvPr id="6" name="Image 5">
+            <a:extLst>
+              <a:ext uri="{FF2B5EF4-FFF2-40B4-BE49-F238E27FC236}">
+                <a16:creationId xmlns:a16="http://schemas.microsoft.com/office/drawing/2014/main" id="{AA7FE647-7FE7-45F0-B02F-3A408630A529}"/>
+              </a:ext>
+            </a:extLst>
+          </p:cNvPr>
+          <p:cNvPicPr>
+            <a:picLocks noChangeAspect="1"/>
+          </p:cNvPicPr>
+          <p:nvPr/>
+        </p:nvPicPr>
+        <p:blipFill>
+          <a:blip r:embed="rId3">
+            <a:extLst>
+              <a:ext uri="{28A0092B-C50C-407E-A947-70E740481C1C}">
+                <a14:useLocalDpi xmlns:a14="http://schemas.microsoft.com/office/drawing/2010/main" val="0"/>
+              </a:ext>
+            </a:extLst>
+          </a:blip>
+          <a:stretch>
+            <a:fillRect/>
+          </a:stretch>
+        </p:blipFill>
+        <p:spPr>
+          <a:xfrm>
+            <a:off x="0" y="2252455"/>
+            <a:ext cx="6096000" cy="2254231"/>
+          </a:xfrm>
+          <a:prstGeom prst="rect">
+            <a:avLst/>
+          </a:prstGeom>
+        </p:spPr>
+      </p:pic>
+      <p:pic>
+        <p:nvPicPr>
+          <p:cNvPr id="7" name="Image 2">
+            <a:extLst>
+              <a:ext uri="{FF2B5EF4-FFF2-40B4-BE49-F238E27FC236}">
+                <a16:creationId xmlns:a16="http://schemas.microsoft.com/office/drawing/2014/main" id="{31A1ED01-1CDE-47DF-83A1-4F7A773E497E}"/>
+              </a:ext>
+            </a:extLst>
+          </p:cNvPr>
+          <p:cNvPicPr>
+            <a:picLocks noChangeAspect="1"/>
+          </p:cNvPicPr>
+          <p:nvPr/>
+        </p:nvPicPr>
+        <p:blipFill>
+          <a:blip r:embed="rId4">
+            <a:extLst>
+              <a:ext uri="{28A0092B-C50C-407E-A947-70E740481C1C}">
+                <a14:useLocalDpi xmlns:a14="http://schemas.microsoft.com/office/drawing/2010/main" val="0"/>
+              </a:ext>
+            </a:extLst>
+          </a:blip>
+          <a:stretch>
+            <a:fillRect/>
+          </a:stretch>
+        </p:blipFill>
+        <p:spPr>
+          <a:xfrm>
+            <a:off x="0" y="4506686"/>
+            <a:ext cx="6099683" cy="2254231"/>
+          </a:xfrm>
+          <a:prstGeom prst="rect">
+            <a:avLst/>
+          </a:prstGeom>
+        </p:spPr>
+      </p:pic>
+      <p:pic>
+        <p:nvPicPr>
+          <p:cNvPr id="8" name="Image 7">
+            <a:extLst>
+              <a:ext uri="{FF2B5EF4-FFF2-40B4-BE49-F238E27FC236}">
+                <a16:creationId xmlns:a16="http://schemas.microsoft.com/office/drawing/2014/main" id="{1ABDC1CB-F787-4438-99CD-3085BE1E454C}"/>
+              </a:ext>
+            </a:extLst>
+          </p:cNvPr>
+          <p:cNvPicPr>
+            <a:picLocks noChangeAspect="1"/>
+          </p:cNvPicPr>
+          <p:nvPr/>
+        </p:nvPicPr>
+        <p:blipFill>
+          <a:blip r:embed="rId5">
+            <a:extLst>
+              <a:ext uri="{28A0092B-C50C-407E-A947-70E740481C1C}">
+                <a14:useLocalDpi xmlns:a14="http://schemas.microsoft.com/office/drawing/2010/main" val="0"/>
+              </a:ext>
+            </a:extLst>
+          </a:blip>
+          <a:stretch>
+            <a:fillRect/>
+          </a:stretch>
+        </p:blipFill>
+        <p:spPr>
+          <a:xfrm>
+            <a:off x="6945085" y="265351"/>
+            <a:ext cx="3670597" cy="1357345"/>
+          </a:xfrm>
+          <a:prstGeom prst="rect">
+            <a:avLst/>
+          </a:prstGeom>
+        </p:spPr>
+      </p:pic>
+      <p:sp>
+        <p:nvSpPr>
+          <p:cNvPr id="5" name="TextBox 4">
+            <a:extLst>
+              <a:ext uri="{FF2B5EF4-FFF2-40B4-BE49-F238E27FC236}">
+                <a16:creationId xmlns:a16="http://schemas.microsoft.com/office/drawing/2014/main" id="{F085FE74-3BC2-4B87-81DE-9BDD20CB3390}"/>
+              </a:ext>
+            </a:extLst>
+          </p:cNvPr>
+          <p:cNvSpPr txBox="1"/>
+          <p:nvPr/>
+        </p:nvSpPr>
+        <p:spPr>
+          <a:xfrm>
+            <a:off x="7119257" y="3839029"/>
+            <a:ext cx="4292970" cy="1477328"/>
+          </a:xfrm>
+          <a:prstGeom prst="rect">
+            <a:avLst/>
+          </a:prstGeom>
+          <a:noFill/>
+        </p:spPr>
+        <p:txBody>
+          <a:bodyPr wrap="none" rtlCol="0">
+            <a:spAutoFit/>
+          </a:bodyPr>
+          <a:lstStyle/>
+          <a:p>
+            <a:r>
+              <a:rPr lang="en-US" dirty="0" err="1"/>
+              <a:t>Athermal</a:t>
+            </a:r>
+            <a:r>
+              <a:rPr lang="en-US" dirty="0"/>
+              <a:t> – why par changes</a:t>
+            </a:r>
+          </a:p>
+          <a:p>
+            <a:endParaRPr lang="en-US" dirty="0"/>
+          </a:p>
+          <a:p>
+            <a:r>
+              <a:rPr lang="en-US" dirty="0"/>
+              <a:t>What sets the terminal viscosity f(</a:t>
+            </a:r>
+            <a:r>
+              <a:rPr lang="en-US" dirty="0" err="1"/>
+              <a:t>vol_frac</a:t>
+            </a:r>
+            <a:r>
+              <a:rPr lang="en-US" dirty="0"/>
+              <a:t>)?</a:t>
+            </a:r>
+          </a:p>
+          <a:p>
+            <a:endParaRPr lang="en-US" dirty="0"/>
+          </a:p>
+          <a:p>
+            <a:r>
+              <a:rPr lang="en-US" dirty="0"/>
+              <a:t>Crit shear rate – just inv prop to term </a:t>
+            </a:r>
+            <a:r>
+              <a:rPr lang="en-US" dirty="0" err="1"/>
+              <a:t>visc</a:t>
+            </a:r>
+            <a:endParaRPr lang="en-US" dirty="0"/>
+          </a:p>
+        </p:txBody>
+      </p:sp>
+      <p:sp>
+        <p:nvSpPr>
+          <p:cNvPr id="11" name="TextBox 10">
+            <a:extLst>
+              <a:ext uri="{FF2B5EF4-FFF2-40B4-BE49-F238E27FC236}">
+                <a16:creationId xmlns:a16="http://schemas.microsoft.com/office/drawing/2014/main" id="{80D840CC-47B4-4602-83A0-3FCBA747CD9A}"/>
+              </a:ext>
+            </a:extLst>
+          </p:cNvPr>
+          <p:cNvSpPr txBox="1"/>
+          <p:nvPr/>
+        </p:nvSpPr>
+        <p:spPr>
+          <a:xfrm>
+            <a:off x="7142306" y="3194904"/>
+            <a:ext cx="1638077" cy="369332"/>
+          </a:xfrm>
+          <a:prstGeom prst="rect">
+            <a:avLst/>
+          </a:prstGeom>
+          <a:noFill/>
+        </p:spPr>
+        <p:txBody>
+          <a:bodyPr wrap="none" rtlCol="0">
+            <a:spAutoFit/>
+          </a:bodyPr>
+          <a:lstStyle/>
+          <a:p>
+            <a:r>
+              <a:rPr lang="en-US" dirty="0"/>
+              <a:t>New questions:</a:t>
+            </a:r>
+          </a:p>
+        </p:txBody>
+      </p:sp>
     </p:spTree>
     <p:extLst>
       <p:ext uri="{BB962C8B-B14F-4D97-AF65-F5344CB8AC3E}">
-        <p14:creationId xmlns:p14="http://schemas.microsoft.com/office/powerpoint/2010/main" val="1380673900"/>
+        <p14:creationId xmlns:p14="http://schemas.microsoft.com/office/powerpoint/2010/main" val="2658304951"/>
       </p:ext>
     </p:extLst>
   </p:cSld>
@@ -6365,12 +6682,77 @@
           <a:chExt cx="0" cy="0"/>
         </a:xfrm>
       </p:grpSpPr>
+      <p:sp>
+        <p:nvSpPr>
+          <p:cNvPr id="4" name="Title 1">
+            <a:extLst>
+              <a:ext uri="{FF2B5EF4-FFF2-40B4-BE49-F238E27FC236}">
+                <a16:creationId xmlns:a16="http://schemas.microsoft.com/office/drawing/2014/main" id="{715D238A-F768-4725-A31F-67E44DFE07A8}"/>
+              </a:ext>
+            </a:extLst>
+          </p:cNvPr>
+          <p:cNvSpPr>
+            <a:spLocks noGrp="1"/>
+          </p:cNvSpPr>
+          <p:nvPr>
+            <p:ph type="title"/>
+          </p:nvPr>
+        </p:nvSpPr>
+        <p:spPr>
+          <a:xfrm>
+            <a:off x="66832" y="147894"/>
+            <a:ext cx="10515600" cy="1325563"/>
+          </a:xfrm>
+        </p:spPr>
+        <p:txBody>
+          <a:bodyPr/>
+          <a:lstStyle/>
+          <a:p>
+            <a:r>
+              <a:rPr lang="fr-CH" dirty="0" err="1"/>
+              <a:t>Temperature</a:t>
+            </a:r>
+            <a:r>
+              <a:rPr lang="fr-CH" dirty="0"/>
+              <a:t> </a:t>
+            </a:r>
+            <a:r>
+              <a:rPr lang="fr-CH" dirty="0" err="1"/>
+              <a:t>effect</a:t>
+            </a:r>
+            <a:br>
+              <a:rPr lang="fr-CH" dirty="0"/>
+            </a:br>
+            <a:r>
+              <a:rPr lang="fr-CH" sz="2800" dirty="0"/>
+              <a:t>on </a:t>
+            </a:r>
+            <a:r>
+              <a:rPr lang="fr-CH" sz="2800" dirty="0" err="1"/>
+              <a:t>caracteristic</a:t>
+            </a:r>
+            <a:r>
+              <a:rPr lang="fr-CH" sz="2800" dirty="0"/>
+              <a:t> </a:t>
+            </a:r>
+            <a:r>
+              <a:rPr lang="fr-CH" sz="2800" dirty="0" err="1"/>
+              <a:t>shear</a:t>
+            </a:r>
+            <a:r>
+              <a:rPr lang="fr-CH" sz="2800" dirty="0"/>
+              <a:t> rate</a:t>
+            </a:r>
+            <a:endParaRPr lang="en-US" dirty="0"/>
+          </a:p>
+        </p:txBody>
+      </p:sp>
       <p:pic>
         <p:nvPicPr>
-          <p:cNvPr id="20" name="Image 19">
-            <a:extLst>
-              <a:ext uri="{FF2B5EF4-FFF2-40B4-BE49-F238E27FC236}">
-                <a16:creationId xmlns:a16="http://schemas.microsoft.com/office/drawing/2014/main" id="{060985D7-3879-4296-81C0-4C57E0716373}"/>
+          <p:cNvPr id="6" name="Image 5">
+            <a:extLst>
+              <a:ext uri="{FF2B5EF4-FFF2-40B4-BE49-F238E27FC236}">
+                <a16:creationId xmlns:a16="http://schemas.microsoft.com/office/drawing/2014/main" id="{6348FCC3-194A-48C1-9F4F-FB92C4A110DC}"/>
               </a:ext>
             </a:extLst>
           </p:cNvPr>
@@ -6393,463 +6775,18 @@
         </p:blipFill>
         <p:spPr>
           <a:xfrm>
-            <a:off x="131087" y="0"/>
-            <a:ext cx="7958709" cy="6858000"/>
+            <a:off x="527405" y="1690331"/>
+            <a:ext cx="7566675" cy="2798070"/>
           </a:xfrm>
           <a:prstGeom prst="rect">
             <a:avLst/>
           </a:prstGeom>
         </p:spPr>
       </p:pic>
-      <p:cxnSp>
-        <p:nvCxnSpPr>
-          <p:cNvPr id="22" name="Connecteur droit avec flèche 21">
-            <a:extLst>
-              <a:ext uri="{FF2B5EF4-FFF2-40B4-BE49-F238E27FC236}">
-                <a16:creationId xmlns:a16="http://schemas.microsoft.com/office/drawing/2014/main" id="{CCA9DFC5-2078-44D8-8A8E-7BC9845BDA8D}"/>
-              </a:ext>
-            </a:extLst>
-          </p:cNvPr>
-          <p:cNvCxnSpPr/>
-          <p:nvPr/>
-        </p:nvCxnSpPr>
-        <p:spPr>
-          <a:xfrm flipH="1">
-            <a:off x="7410994" y="896983"/>
-            <a:ext cx="1018903" cy="0"/>
-          </a:xfrm>
-          <a:prstGeom prst="straightConnector1">
-            <a:avLst/>
-          </a:prstGeom>
-          <a:ln>
-            <a:solidFill>
-              <a:schemeClr val="tx1"/>
-            </a:solidFill>
-            <a:tailEnd type="triangle"/>
-          </a:ln>
-        </p:spPr>
-        <p:style>
-          <a:lnRef idx="1">
-            <a:schemeClr val="accent1"/>
-          </a:lnRef>
-          <a:fillRef idx="0">
-            <a:schemeClr val="accent1"/>
-          </a:fillRef>
-          <a:effectRef idx="0">
-            <a:schemeClr val="accent1"/>
-          </a:effectRef>
-          <a:fontRef idx="minor">
-            <a:schemeClr val="tx1"/>
-          </a:fontRef>
-        </p:style>
-      </p:cxnSp>
-      <p:sp>
-        <p:nvSpPr>
-          <p:cNvPr id="23" name="ZoneTexte 22">
-            <a:extLst>
-              <a:ext uri="{FF2B5EF4-FFF2-40B4-BE49-F238E27FC236}">
-                <a16:creationId xmlns:a16="http://schemas.microsoft.com/office/drawing/2014/main" id="{7E01A7C0-F2A0-4998-A403-D38E36B1710A}"/>
-              </a:ext>
-            </a:extLst>
-          </p:cNvPr>
-          <p:cNvSpPr txBox="1"/>
-          <p:nvPr/>
-        </p:nvSpPr>
-        <p:spPr>
-          <a:xfrm>
-            <a:off x="8429897" y="743094"/>
-            <a:ext cx="2137124" cy="738664"/>
-          </a:xfrm>
-          <a:prstGeom prst="rect">
-            <a:avLst/>
-          </a:prstGeom>
-          <a:noFill/>
-        </p:spPr>
-        <p:txBody>
-          <a:bodyPr wrap="none" rtlCol="0">
-            <a:spAutoFit/>
-          </a:bodyPr>
-          <a:lstStyle/>
-          <a:p>
-            <a:r>
-              <a:rPr lang="en-US" sz="1400" dirty="0">
-                <a:latin typeface="Linux Biolinum" panose="02000503000000000000" pitchFamily="2" charset="0"/>
-                <a:ea typeface="Linux Biolinum" panose="02000503000000000000" pitchFamily="2" charset="0"/>
-                <a:cs typeface="Linux Biolinum" panose="02000503000000000000" pitchFamily="2" charset="0"/>
-              </a:rPr>
-              <a:t>yield stress here,</a:t>
-            </a:r>
-          </a:p>
-          <a:p>
-            <a:r>
-              <a:rPr lang="en-US" sz="1400" dirty="0">
-                <a:latin typeface="Linux Biolinum" panose="02000503000000000000" pitchFamily="2" charset="0"/>
-                <a:ea typeface="Linux Biolinum" panose="02000503000000000000" pitchFamily="2" charset="0"/>
-                <a:cs typeface="Linux Biolinum" panose="02000503000000000000" pitchFamily="2" charset="0"/>
-              </a:rPr>
-              <a:t>sorry Marco for the </a:t>
-            </a:r>
-            <a:r>
-              <a:rPr lang="en-US" sz="1400" dirty="0" err="1">
-                <a:latin typeface="Linux Biolinum" panose="02000503000000000000" pitchFamily="2" charset="0"/>
-                <a:ea typeface="Linux Biolinum" panose="02000503000000000000" pitchFamily="2" charset="0"/>
-                <a:cs typeface="Linux Biolinum" panose="02000503000000000000" pitchFamily="2" charset="0"/>
-              </a:rPr>
-              <a:t>french</a:t>
-            </a:r>
-            <a:endParaRPr lang="en-US" sz="1400" dirty="0">
-              <a:latin typeface="Linux Biolinum" panose="02000503000000000000" pitchFamily="2" charset="0"/>
-              <a:ea typeface="Linux Biolinum" panose="02000503000000000000" pitchFamily="2" charset="0"/>
-              <a:cs typeface="Linux Biolinum" panose="02000503000000000000" pitchFamily="2" charset="0"/>
-            </a:endParaRPr>
-          </a:p>
-          <a:p>
-            <a:r>
-              <a:rPr lang="en-US" sz="1400" dirty="0">
-                <a:latin typeface="Linux Biolinum" panose="02000503000000000000" pitchFamily="2" charset="0"/>
-                <a:ea typeface="Linux Biolinum" panose="02000503000000000000" pitchFamily="2" charset="0"/>
-                <a:cs typeface="Linux Biolinum" panose="02000503000000000000" pitchFamily="2" charset="0"/>
-              </a:rPr>
-              <a:t>name in my code</a:t>
-            </a:r>
-          </a:p>
-        </p:txBody>
-      </p:sp>
-      <p:sp>
-        <p:nvSpPr>
-          <p:cNvPr id="24" name="ZoneTexte 23">
-            <a:extLst>
-              <a:ext uri="{FF2B5EF4-FFF2-40B4-BE49-F238E27FC236}">
-                <a16:creationId xmlns:a16="http://schemas.microsoft.com/office/drawing/2014/main" id="{392FFDEA-F0B4-47E8-A7BE-F1E65BC1EC5E}"/>
-              </a:ext>
-            </a:extLst>
-          </p:cNvPr>
-          <p:cNvSpPr txBox="1"/>
-          <p:nvPr/>
-        </p:nvSpPr>
-        <p:spPr>
-          <a:xfrm>
-            <a:off x="9112311" y="69669"/>
-            <a:ext cx="3079689" cy="369332"/>
-          </a:xfrm>
-          <a:prstGeom prst="rect">
-            <a:avLst/>
-          </a:prstGeom>
-          <a:noFill/>
-        </p:spPr>
-        <p:txBody>
-          <a:bodyPr wrap="none" rtlCol="0">
-            <a:spAutoFit/>
-          </a:bodyPr>
-          <a:lstStyle/>
-          <a:p>
-            <a:r>
-              <a:rPr lang="en-US" dirty="0">
-                <a:latin typeface="Linux Biolinum Capitals" panose="02000503000000000000" pitchFamily="2" charset="0"/>
-                <a:ea typeface="Linux Biolinum Capitals" panose="02000503000000000000" pitchFamily="2" charset="0"/>
-                <a:cs typeface="Linux Biolinum Capitals" panose="02000503000000000000" pitchFamily="2" charset="0"/>
-              </a:rPr>
-              <a:t>Scatter matrix for TC model</a:t>
-            </a:r>
-          </a:p>
-        </p:txBody>
-      </p:sp>
-      <p:sp>
-        <p:nvSpPr>
-          <p:cNvPr id="25" name="Rectangle 24">
-            <a:extLst>
-              <a:ext uri="{FF2B5EF4-FFF2-40B4-BE49-F238E27FC236}">
-                <a16:creationId xmlns:a16="http://schemas.microsoft.com/office/drawing/2014/main" id="{78602FA4-046B-4BBA-8EF1-5B334F283BFF}"/>
-              </a:ext>
-            </a:extLst>
-          </p:cNvPr>
-          <p:cNvSpPr/>
-          <p:nvPr/>
-        </p:nvSpPr>
-        <p:spPr>
-          <a:xfrm>
-            <a:off x="6984274" y="3213462"/>
-            <a:ext cx="1105522" cy="198064"/>
-          </a:xfrm>
-          <a:prstGeom prst="rect">
-            <a:avLst/>
-          </a:prstGeom>
-          <a:noFill/>
-          <a:ln w="19050">
-            <a:solidFill>
-              <a:schemeClr val="accent4">
-                <a:lumMod val="60000"/>
-                <a:lumOff val="40000"/>
-              </a:schemeClr>
-            </a:solidFill>
-          </a:ln>
-        </p:spPr>
-        <p:style>
-          <a:lnRef idx="2">
-            <a:schemeClr val="accent4">
-              <a:shade val="50000"/>
-            </a:schemeClr>
-          </a:lnRef>
-          <a:fillRef idx="1">
-            <a:schemeClr val="accent4"/>
-          </a:fillRef>
-          <a:effectRef idx="0">
-            <a:schemeClr val="accent4"/>
-          </a:effectRef>
-          <a:fontRef idx="minor">
-            <a:schemeClr val="lt1"/>
-          </a:fontRef>
-        </p:style>
-        <p:txBody>
-          <a:bodyPr rtlCol="0" anchor="ctr"/>
-          <a:lstStyle/>
-          <a:p>
-            <a:pPr algn="ctr"/>
-            <a:endParaRPr lang="en-US"/>
-          </a:p>
-        </p:txBody>
-      </p:sp>
-      <p:sp>
-        <p:nvSpPr>
-          <p:cNvPr id="26" name="Rectangle 25">
-            <a:extLst>
-              <a:ext uri="{FF2B5EF4-FFF2-40B4-BE49-F238E27FC236}">
-                <a16:creationId xmlns:a16="http://schemas.microsoft.com/office/drawing/2014/main" id="{BBD9F342-2177-4B65-9DF4-1F5F50C5721B}"/>
-              </a:ext>
-            </a:extLst>
-          </p:cNvPr>
-          <p:cNvSpPr/>
-          <p:nvPr/>
-        </p:nvSpPr>
-        <p:spPr>
-          <a:xfrm>
-            <a:off x="6988624" y="3418116"/>
-            <a:ext cx="1105522" cy="198064"/>
-          </a:xfrm>
-          <a:prstGeom prst="rect">
-            <a:avLst/>
-          </a:prstGeom>
-          <a:noFill/>
-          <a:ln w="19050">
-            <a:solidFill>
-              <a:schemeClr val="accent6">
-                <a:lumMod val="75000"/>
-              </a:schemeClr>
-            </a:solidFill>
-          </a:ln>
-        </p:spPr>
-        <p:style>
-          <a:lnRef idx="2">
-            <a:schemeClr val="accent5">
-              <a:shade val="50000"/>
-            </a:schemeClr>
-          </a:lnRef>
-          <a:fillRef idx="1">
-            <a:schemeClr val="accent5"/>
-          </a:fillRef>
-          <a:effectRef idx="0">
-            <a:schemeClr val="accent5"/>
-          </a:effectRef>
-          <a:fontRef idx="minor">
-            <a:schemeClr val="lt1"/>
-          </a:fontRef>
-        </p:style>
-        <p:txBody>
-          <a:bodyPr rtlCol="0" anchor="ctr"/>
-          <a:lstStyle/>
-          <a:p>
-            <a:pPr algn="ctr"/>
-            <a:endParaRPr lang="en-US">
-              <a:solidFill>
-                <a:schemeClr val="accent6">
-                  <a:lumMod val="75000"/>
-                </a:schemeClr>
-              </a:solidFill>
-            </a:endParaRPr>
-          </a:p>
-        </p:txBody>
-      </p:sp>
-      <p:sp>
-        <p:nvSpPr>
-          <p:cNvPr id="27" name="Rectangle 26">
-            <a:extLst>
-              <a:ext uri="{FF2B5EF4-FFF2-40B4-BE49-F238E27FC236}">
-                <a16:creationId xmlns:a16="http://schemas.microsoft.com/office/drawing/2014/main" id="{B5FBEDB4-AE89-40A8-B76E-F22C6774F03E}"/>
-              </a:ext>
-            </a:extLst>
-          </p:cNvPr>
-          <p:cNvSpPr/>
-          <p:nvPr/>
-        </p:nvSpPr>
-        <p:spPr>
-          <a:xfrm>
-            <a:off x="6975559" y="3614061"/>
-            <a:ext cx="1105522" cy="198064"/>
-          </a:xfrm>
-          <a:prstGeom prst="rect">
-            <a:avLst/>
-          </a:prstGeom>
-          <a:noFill/>
-          <a:ln w="19050">
-            <a:solidFill>
-              <a:schemeClr val="accent1">
-                <a:lumMod val="75000"/>
-              </a:schemeClr>
-            </a:solidFill>
-          </a:ln>
-        </p:spPr>
-        <p:style>
-          <a:lnRef idx="2">
-            <a:schemeClr val="accent5">
-              <a:shade val="50000"/>
-            </a:schemeClr>
-          </a:lnRef>
-          <a:fillRef idx="1">
-            <a:schemeClr val="accent5"/>
-          </a:fillRef>
-          <a:effectRef idx="0">
-            <a:schemeClr val="accent5"/>
-          </a:effectRef>
-          <a:fontRef idx="minor">
-            <a:schemeClr val="lt1"/>
-          </a:fontRef>
-        </p:style>
-        <p:txBody>
-          <a:bodyPr rtlCol="0" anchor="ctr"/>
-          <a:lstStyle/>
-          <a:p>
-            <a:pPr algn="ctr"/>
-            <a:endParaRPr lang="en-US">
-              <a:solidFill>
-                <a:schemeClr val="accent6">
-                  <a:lumMod val="75000"/>
-                </a:schemeClr>
-              </a:solidFill>
-            </a:endParaRPr>
-          </a:p>
-        </p:txBody>
-      </p:sp>
-      <p:sp>
-        <p:nvSpPr>
-          <p:cNvPr id="28" name="ZoneTexte 27">
-            <a:extLst>
-              <a:ext uri="{FF2B5EF4-FFF2-40B4-BE49-F238E27FC236}">
-                <a16:creationId xmlns:a16="http://schemas.microsoft.com/office/drawing/2014/main" id="{095FAAC9-A36E-47B2-9170-DC4962678E0F}"/>
-              </a:ext>
-            </a:extLst>
-          </p:cNvPr>
-          <p:cNvSpPr txBox="1"/>
-          <p:nvPr/>
-        </p:nvSpPr>
-        <p:spPr>
-          <a:xfrm>
-            <a:off x="8247014" y="3196042"/>
-            <a:ext cx="707245" cy="276999"/>
-          </a:xfrm>
-          <a:prstGeom prst="rect">
-            <a:avLst/>
-          </a:prstGeom>
-          <a:noFill/>
-        </p:spPr>
-        <p:txBody>
-          <a:bodyPr wrap="none" rtlCol="0">
-            <a:spAutoFit/>
-          </a:bodyPr>
-          <a:lstStyle/>
-          <a:p>
-            <a:r>
-              <a:rPr lang="en-US" sz="1200" dirty="0">
-                <a:latin typeface="Linux Biolinum" panose="02000503000000000000" pitchFamily="2" charset="0"/>
-                <a:ea typeface="Linux Biolinum" panose="02000503000000000000" pitchFamily="2" charset="0"/>
-                <a:cs typeface="Linux Biolinum" panose="02000503000000000000" pitchFamily="2" charset="0"/>
-              </a:rPr>
-              <a:t>in water</a:t>
-            </a:r>
-          </a:p>
-        </p:txBody>
-      </p:sp>
-      <p:sp>
-        <p:nvSpPr>
-          <p:cNvPr id="29" name="ZoneTexte 28">
-            <a:extLst>
-              <a:ext uri="{FF2B5EF4-FFF2-40B4-BE49-F238E27FC236}">
-                <a16:creationId xmlns:a16="http://schemas.microsoft.com/office/drawing/2014/main" id="{064450C4-015F-420A-A130-A5D4A548A03C}"/>
-              </a:ext>
-            </a:extLst>
-          </p:cNvPr>
-          <p:cNvSpPr txBox="1"/>
-          <p:nvPr/>
-        </p:nvSpPr>
-        <p:spPr>
-          <a:xfrm>
-            <a:off x="8251367" y="3365860"/>
-            <a:ext cx="1279517" cy="276999"/>
-          </a:xfrm>
-          <a:prstGeom prst="rect">
-            <a:avLst/>
-          </a:prstGeom>
-          <a:noFill/>
-        </p:spPr>
-        <p:txBody>
-          <a:bodyPr wrap="none" rtlCol="0">
-            <a:spAutoFit/>
-          </a:bodyPr>
-          <a:lstStyle/>
-          <a:p>
-            <a:r>
-              <a:rPr lang="en-US" sz="1200" dirty="0">
-                <a:latin typeface="Linux Biolinum" panose="02000503000000000000" pitchFamily="2" charset="0"/>
-                <a:ea typeface="Linux Biolinum" panose="02000503000000000000" pitchFamily="2" charset="0"/>
-                <a:cs typeface="Linux Biolinum" panose="02000503000000000000" pitchFamily="2" charset="0"/>
-              </a:rPr>
-              <a:t>in propylenglycol</a:t>
-            </a:r>
-          </a:p>
-        </p:txBody>
-      </p:sp>
-      <p:sp>
-        <p:nvSpPr>
-          <p:cNvPr id="30" name="ZoneTexte 29">
-            <a:extLst>
-              <a:ext uri="{FF2B5EF4-FFF2-40B4-BE49-F238E27FC236}">
-                <a16:creationId xmlns:a16="http://schemas.microsoft.com/office/drawing/2014/main" id="{AB7AB25E-F4F0-40A0-8F79-8E7C277FC550}"/>
-              </a:ext>
-            </a:extLst>
-          </p:cNvPr>
-          <p:cNvSpPr txBox="1"/>
-          <p:nvPr/>
-        </p:nvSpPr>
-        <p:spPr>
-          <a:xfrm>
-            <a:off x="8247011" y="3553096"/>
-            <a:ext cx="1279517" cy="276999"/>
-          </a:xfrm>
-          <a:prstGeom prst="rect">
-            <a:avLst/>
-          </a:prstGeom>
-          <a:noFill/>
-        </p:spPr>
-        <p:txBody>
-          <a:bodyPr wrap="none" rtlCol="0">
-            <a:spAutoFit/>
-          </a:bodyPr>
-          <a:lstStyle/>
-          <a:p>
-            <a:r>
-              <a:rPr lang="en-US" sz="1200" dirty="0">
-                <a:latin typeface="Linux Biolinum" panose="02000503000000000000" pitchFamily="2" charset="0"/>
-                <a:ea typeface="Linux Biolinum" panose="02000503000000000000" pitchFamily="2" charset="0"/>
-                <a:cs typeface="Linux Biolinum" panose="02000503000000000000" pitchFamily="2" charset="0"/>
-              </a:rPr>
-              <a:t>in propylenglycol</a:t>
-            </a:r>
-          </a:p>
-        </p:txBody>
-      </p:sp>
     </p:spTree>
     <p:extLst>
       <p:ext uri="{BB962C8B-B14F-4D97-AF65-F5344CB8AC3E}">
-        <p14:creationId xmlns:p14="http://schemas.microsoft.com/office/powerpoint/2010/main" val="2810016576"/>
+        <p14:creationId xmlns:p14="http://schemas.microsoft.com/office/powerpoint/2010/main" val="1380673900"/>
       </p:ext>
     </p:extLst>
   </p:cSld>
@@ -6876,73 +6813,12 @@
           <a:chExt cx="0" cy="0"/>
         </a:xfrm>
       </p:grpSpPr>
-      <p:sp>
-        <p:nvSpPr>
-          <p:cNvPr id="4" name="Title 1">
-            <a:extLst>
-              <a:ext uri="{FF2B5EF4-FFF2-40B4-BE49-F238E27FC236}">
-                <a16:creationId xmlns:a16="http://schemas.microsoft.com/office/drawing/2014/main" id="{AE5322DC-9B9C-4FA6-A67A-B268C1AD69EC}"/>
-              </a:ext>
-            </a:extLst>
-          </p:cNvPr>
-          <p:cNvSpPr>
-            <a:spLocks noGrp="1"/>
-          </p:cNvSpPr>
-          <p:nvPr>
-            <p:ph type="title"/>
-          </p:nvPr>
-        </p:nvSpPr>
-        <p:spPr>
-          <a:xfrm>
-            <a:off x="66832" y="147894"/>
-            <a:ext cx="10515600" cy="1325563"/>
-          </a:xfrm>
-        </p:spPr>
-        <p:txBody>
-          <a:bodyPr/>
-          <a:lstStyle/>
-          <a:p>
-            <a:r>
-              <a:rPr lang="fr-CH" dirty="0" err="1"/>
-              <a:t>Temperature</a:t>
-            </a:r>
-            <a:r>
-              <a:rPr lang="fr-CH" dirty="0"/>
-              <a:t> </a:t>
-            </a:r>
-            <a:r>
-              <a:rPr lang="fr-CH" dirty="0" err="1"/>
-              <a:t>effect</a:t>
-            </a:r>
-            <a:br>
-              <a:rPr lang="fr-CH" dirty="0"/>
-            </a:br>
-            <a:r>
-              <a:rPr lang="fr-CH" sz="2800" dirty="0"/>
-              <a:t>on </a:t>
-            </a:r>
-            <a:r>
-              <a:rPr lang="fr-CH" sz="2800" dirty="0" err="1"/>
-              <a:t>elastic</a:t>
-            </a:r>
-            <a:r>
-              <a:rPr lang="fr-CH" sz="2800" dirty="0"/>
-              <a:t> </a:t>
-            </a:r>
-            <a:r>
-              <a:rPr lang="fr-CH" sz="2800" dirty="0" err="1"/>
-              <a:t>modulus</a:t>
-            </a:r>
-            <a:endParaRPr lang="en-US" dirty="0"/>
-          </a:p>
-        </p:txBody>
-      </p:sp>
       <p:pic>
         <p:nvPicPr>
-          <p:cNvPr id="6" name="Image 5">
-            <a:extLst>
-              <a:ext uri="{FF2B5EF4-FFF2-40B4-BE49-F238E27FC236}">
-                <a16:creationId xmlns:a16="http://schemas.microsoft.com/office/drawing/2014/main" id="{729ACF1C-1064-4A10-A137-6CA53EB7096B}"/>
+          <p:cNvPr id="20" name="Image 19">
+            <a:extLst>
+              <a:ext uri="{FF2B5EF4-FFF2-40B4-BE49-F238E27FC236}">
+                <a16:creationId xmlns:a16="http://schemas.microsoft.com/office/drawing/2014/main" id="{060985D7-3879-4296-81C0-4C57E0716373}"/>
               </a:ext>
             </a:extLst>
           </p:cNvPr>
@@ -6965,20 +6841,62 @@
         </p:blipFill>
         <p:spPr>
           <a:xfrm>
-            <a:off x="509117" y="1611518"/>
-            <a:ext cx="7603251" cy="2816358"/>
+            <a:off x="131087" y="0"/>
+            <a:ext cx="7958709" cy="6858000"/>
           </a:xfrm>
           <a:prstGeom prst="rect">
             <a:avLst/>
           </a:prstGeom>
         </p:spPr>
       </p:pic>
-      <p:sp>
-        <p:nvSpPr>
-          <p:cNvPr id="7" name="ZoneTexte 6">
-            <a:extLst>
-              <a:ext uri="{FF2B5EF4-FFF2-40B4-BE49-F238E27FC236}">
-                <a16:creationId xmlns:a16="http://schemas.microsoft.com/office/drawing/2014/main" id="{709BDA64-C9E0-45A6-B095-DC47A532D739}"/>
+      <p:cxnSp>
+        <p:nvCxnSpPr>
+          <p:cNvPr id="22" name="Connecteur droit avec flèche 21">
+            <a:extLst>
+              <a:ext uri="{FF2B5EF4-FFF2-40B4-BE49-F238E27FC236}">
+                <a16:creationId xmlns:a16="http://schemas.microsoft.com/office/drawing/2014/main" id="{CCA9DFC5-2078-44D8-8A8E-7BC9845BDA8D}"/>
+              </a:ext>
+            </a:extLst>
+          </p:cNvPr>
+          <p:cNvCxnSpPr/>
+          <p:nvPr/>
+        </p:nvCxnSpPr>
+        <p:spPr>
+          <a:xfrm flipH="1">
+            <a:off x="7410994" y="896983"/>
+            <a:ext cx="1018903" cy="0"/>
+          </a:xfrm>
+          <a:prstGeom prst="straightConnector1">
+            <a:avLst/>
+          </a:prstGeom>
+          <a:ln>
+            <a:solidFill>
+              <a:schemeClr val="tx1"/>
+            </a:solidFill>
+            <a:tailEnd type="triangle"/>
+          </a:ln>
+        </p:spPr>
+        <p:style>
+          <a:lnRef idx="1">
+            <a:schemeClr val="accent1"/>
+          </a:lnRef>
+          <a:fillRef idx="0">
+            <a:schemeClr val="accent1"/>
+          </a:fillRef>
+          <a:effectRef idx="0">
+            <a:schemeClr val="accent1"/>
+          </a:effectRef>
+          <a:fontRef idx="minor">
+            <a:schemeClr val="tx1"/>
+          </a:fontRef>
+        </p:style>
+      </p:cxnSp>
+      <p:sp>
+        <p:nvSpPr>
+          <p:cNvPr id="23" name="ZoneTexte 22">
+            <a:extLst>
+              <a:ext uri="{FF2B5EF4-FFF2-40B4-BE49-F238E27FC236}">
+                <a16:creationId xmlns:a16="http://schemas.microsoft.com/office/drawing/2014/main" id="{7E01A7C0-F2A0-4998-A403-D38E36B1710A}"/>
               </a:ext>
             </a:extLst>
           </p:cNvPr>
@@ -6987,8 +6905,8 @@
         </p:nvSpPr>
         <p:spPr>
           <a:xfrm>
-            <a:off x="1053737" y="4604693"/>
-            <a:ext cx="3001399" cy="369332"/>
+            <a:off x="8429897" y="743094"/>
+            <a:ext cx="2137124" cy="738664"/>
           </a:xfrm>
           <a:prstGeom prst="rect">
             <a:avLst/>
@@ -7002,12 +6920,376 @@
           <a:lstStyle/>
           <a:p>
             <a:r>
-              <a:rPr lang="en-US" dirty="0">
+              <a:rPr lang="en-US" sz="1400" dirty="0">
                 <a:latin typeface="Linux Biolinum" panose="02000503000000000000" pitchFamily="2" charset="0"/>
                 <a:ea typeface="Linux Biolinum" panose="02000503000000000000" pitchFamily="2" charset="0"/>
                 <a:cs typeface="Linux Biolinum" panose="02000503000000000000" pitchFamily="2" charset="0"/>
               </a:rPr>
-              <a:t>small effect, unclear tendency</a:t>
+              <a:t>yield stress here,</a:t>
+            </a:r>
+          </a:p>
+          <a:p>
+            <a:r>
+              <a:rPr lang="en-US" sz="1400" dirty="0">
+                <a:latin typeface="Linux Biolinum" panose="02000503000000000000" pitchFamily="2" charset="0"/>
+                <a:ea typeface="Linux Biolinum" panose="02000503000000000000" pitchFamily="2" charset="0"/>
+                <a:cs typeface="Linux Biolinum" panose="02000503000000000000" pitchFamily="2" charset="0"/>
+              </a:rPr>
+              <a:t>sorry Marco for the </a:t>
+            </a:r>
+            <a:r>
+              <a:rPr lang="en-US" sz="1400" dirty="0" err="1">
+                <a:latin typeface="Linux Biolinum" panose="02000503000000000000" pitchFamily="2" charset="0"/>
+                <a:ea typeface="Linux Biolinum" panose="02000503000000000000" pitchFamily="2" charset="0"/>
+                <a:cs typeface="Linux Biolinum" panose="02000503000000000000" pitchFamily="2" charset="0"/>
+              </a:rPr>
+              <a:t>french</a:t>
+            </a:r>
+            <a:endParaRPr lang="en-US" sz="1400" dirty="0">
+              <a:latin typeface="Linux Biolinum" panose="02000503000000000000" pitchFamily="2" charset="0"/>
+              <a:ea typeface="Linux Biolinum" panose="02000503000000000000" pitchFamily="2" charset="0"/>
+              <a:cs typeface="Linux Biolinum" panose="02000503000000000000" pitchFamily="2" charset="0"/>
+            </a:endParaRPr>
+          </a:p>
+          <a:p>
+            <a:r>
+              <a:rPr lang="en-US" sz="1400" dirty="0">
+                <a:latin typeface="Linux Biolinum" panose="02000503000000000000" pitchFamily="2" charset="0"/>
+                <a:ea typeface="Linux Biolinum" panose="02000503000000000000" pitchFamily="2" charset="0"/>
+                <a:cs typeface="Linux Biolinum" panose="02000503000000000000" pitchFamily="2" charset="0"/>
+              </a:rPr>
+              <a:t>name in my code</a:t>
+            </a:r>
+          </a:p>
+        </p:txBody>
+      </p:sp>
+      <p:sp>
+        <p:nvSpPr>
+          <p:cNvPr id="24" name="ZoneTexte 23">
+            <a:extLst>
+              <a:ext uri="{FF2B5EF4-FFF2-40B4-BE49-F238E27FC236}">
+                <a16:creationId xmlns:a16="http://schemas.microsoft.com/office/drawing/2014/main" id="{392FFDEA-F0B4-47E8-A7BE-F1E65BC1EC5E}"/>
+              </a:ext>
+            </a:extLst>
+          </p:cNvPr>
+          <p:cNvSpPr txBox="1"/>
+          <p:nvPr/>
+        </p:nvSpPr>
+        <p:spPr>
+          <a:xfrm>
+            <a:off x="9112311" y="69669"/>
+            <a:ext cx="3079689" cy="369332"/>
+          </a:xfrm>
+          <a:prstGeom prst="rect">
+            <a:avLst/>
+          </a:prstGeom>
+          <a:noFill/>
+        </p:spPr>
+        <p:txBody>
+          <a:bodyPr wrap="none" rtlCol="0">
+            <a:spAutoFit/>
+          </a:bodyPr>
+          <a:lstStyle/>
+          <a:p>
+            <a:r>
+              <a:rPr lang="en-US" dirty="0">
+                <a:latin typeface="Linux Biolinum Capitals" panose="02000503000000000000" pitchFamily="2" charset="0"/>
+                <a:ea typeface="Linux Biolinum Capitals" panose="02000503000000000000" pitchFamily="2" charset="0"/>
+                <a:cs typeface="Linux Biolinum Capitals" panose="02000503000000000000" pitchFamily="2" charset="0"/>
+              </a:rPr>
+              <a:t>Scatter matrix for TC model</a:t>
+            </a:r>
+          </a:p>
+        </p:txBody>
+      </p:sp>
+      <p:sp>
+        <p:nvSpPr>
+          <p:cNvPr id="25" name="Rectangle 24">
+            <a:extLst>
+              <a:ext uri="{FF2B5EF4-FFF2-40B4-BE49-F238E27FC236}">
+                <a16:creationId xmlns:a16="http://schemas.microsoft.com/office/drawing/2014/main" id="{78602FA4-046B-4BBA-8EF1-5B334F283BFF}"/>
+              </a:ext>
+            </a:extLst>
+          </p:cNvPr>
+          <p:cNvSpPr/>
+          <p:nvPr/>
+        </p:nvSpPr>
+        <p:spPr>
+          <a:xfrm>
+            <a:off x="6984274" y="3213462"/>
+            <a:ext cx="1105522" cy="198064"/>
+          </a:xfrm>
+          <a:prstGeom prst="rect">
+            <a:avLst/>
+          </a:prstGeom>
+          <a:noFill/>
+          <a:ln w="19050">
+            <a:solidFill>
+              <a:schemeClr val="accent4">
+                <a:lumMod val="60000"/>
+                <a:lumOff val="40000"/>
+              </a:schemeClr>
+            </a:solidFill>
+          </a:ln>
+        </p:spPr>
+        <p:style>
+          <a:lnRef idx="2">
+            <a:schemeClr val="accent4">
+              <a:shade val="50000"/>
+            </a:schemeClr>
+          </a:lnRef>
+          <a:fillRef idx="1">
+            <a:schemeClr val="accent4"/>
+          </a:fillRef>
+          <a:effectRef idx="0">
+            <a:schemeClr val="accent4"/>
+          </a:effectRef>
+          <a:fontRef idx="minor">
+            <a:schemeClr val="lt1"/>
+          </a:fontRef>
+        </p:style>
+        <p:txBody>
+          <a:bodyPr rtlCol="0" anchor="ctr"/>
+          <a:lstStyle/>
+          <a:p>
+            <a:pPr algn="ctr"/>
+            <a:endParaRPr lang="en-US"/>
+          </a:p>
+        </p:txBody>
+      </p:sp>
+      <p:sp>
+        <p:nvSpPr>
+          <p:cNvPr id="26" name="Rectangle 25">
+            <a:extLst>
+              <a:ext uri="{FF2B5EF4-FFF2-40B4-BE49-F238E27FC236}">
+                <a16:creationId xmlns:a16="http://schemas.microsoft.com/office/drawing/2014/main" id="{BBD9F342-2177-4B65-9DF4-1F5F50C5721B}"/>
+              </a:ext>
+            </a:extLst>
+          </p:cNvPr>
+          <p:cNvSpPr/>
+          <p:nvPr/>
+        </p:nvSpPr>
+        <p:spPr>
+          <a:xfrm>
+            <a:off x="6988624" y="3418116"/>
+            <a:ext cx="1105522" cy="198064"/>
+          </a:xfrm>
+          <a:prstGeom prst="rect">
+            <a:avLst/>
+          </a:prstGeom>
+          <a:noFill/>
+          <a:ln w="19050">
+            <a:solidFill>
+              <a:schemeClr val="accent6">
+                <a:lumMod val="75000"/>
+              </a:schemeClr>
+            </a:solidFill>
+          </a:ln>
+        </p:spPr>
+        <p:style>
+          <a:lnRef idx="2">
+            <a:schemeClr val="accent5">
+              <a:shade val="50000"/>
+            </a:schemeClr>
+          </a:lnRef>
+          <a:fillRef idx="1">
+            <a:schemeClr val="accent5"/>
+          </a:fillRef>
+          <a:effectRef idx="0">
+            <a:schemeClr val="accent5"/>
+          </a:effectRef>
+          <a:fontRef idx="minor">
+            <a:schemeClr val="lt1"/>
+          </a:fontRef>
+        </p:style>
+        <p:txBody>
+          <a:bodyPr rtlCol="0" anchor="ctr"/>
+          <a:lstStyle/>
+          <a:p>
+            <a:pPr algn="ctr"/>
+            <a:endParaRPr lang="en-US">
+              <a:solidFill>
+                <a:schemeClr val="accent6">
+                  <a:lumMod val="75000"/>
+                </a:schemeClr>
+              </a:solidFill>
+            </a:endParaRPr>
+          </a:p>
+        </p:txBody>
+      </p:sp>
+      <p:sp>
+        <p:nvSpPr>
+          <p:cNvPr id="27" name="Rectangle 26">
+            <a:extLst>
+              <a:ext uri="{FF2B5EF4-FFF2-40B4-BE49-F238E27FC236}">
+                <a16:creationId xmlns:a16="http://schemas.microsoft.com/office/drawing/2014/main" id="{B5FBEDB4-AE89-40A8-B76E-F22C6774F03E}"/>
+              </a:ext>
+            </a:extLst>
+          </p:cNvPr>
+          <p:cNvSpPr/>
+          <p:nvPr/>
+        </p:nvSpPr>
+        <p:spPr>
+          <a:xfrm>
+            <a:off x="6975559" y="3614061"/>
+            <a:ext cx="1105522" cy="198064"/>
+          </a:xfrm>
+          <a:prstGeom prst="rect">
+            <a:avLst/>
+          </a:prstGeom>
+          <a:noFill/>
+          <a:ln w="19050">
+            <a:solidFill>
+              <a:schemeClr val="accent1">
+                <a:lumMod val="75000"/>
+              </a:schemeClr>
+            </a:solidFill>
+          </a:ln>
+        </p:spPr>
+        <p:style>
+          <a:lnRef idx="2">
+            <a:schemeClr val="accent5">
+              <a:shade val="50000"/>
+            </a:schemeClr>
+          </a:lnRef>
+          <a:fillRef idx="1">
+            <a:schemeClr val="accent5"/>
+          </a:fillRef>
+          <a:effectRef idx="0">
+            <a:schemeClr val="accent5"/>
+          </a:effectRef>
+          <a:fontRef idx="minor">
+            <a:schemeClr val="lt1"/>
+          </a:fontRef>
+        </p:style>
+        <p:txBody>
+          <a:bodyPr rtlCol="0" anchor="ctr"/>
+          <a:lstStyle/>
+          <a:p>
+            <a:pPr algn="ctr"/>
+            <a:endParaRPr lang="en-US">
+              <a:solidFill>
+                <a:schemeClr val="accent6">
+                  <a:lumMod val="75000"/>
+                </a:schemeClr>
+              </a:solidFill>
+            </a:endParaRPr>
+          </a:p>
+        </p:txBody>
+      </p:sp>
+      <p:sp>
+        <p:nvSpPr>
+          <p:cNvPr id="28" name="ZoneTexte 27">
+            <a:extLst>
+              <a:ext uri="{FF2B5EF4-FFF2-40B4-BE49-F238E27FC236}">
+                <a16:creationId xmlns:a16="http://schemas.microsoft.com/office/drawing/2014/main" id="{095FAAC9-A36E-47B2-9170-DC4962678E0F}"/>
+              </a:ext>
+            </a:extLst>
+          </p:cNvPr>
+          <p:cNvSpPr txBox="1"/>
+          <p:nvPr/>
+        </p:nvSpPr>
+        <p:spPr>
+          <a:xfrm>
+            <a:off x="8247014" y="3196042"/>
+            <a:ext cx="707245" cy="276999"/>
+          </a:xfrm>
+          <a:prstGeom prst="rect">
+            <a:avLst/>
+          </a:prstGeom>
+          <a:noFill/>
+        </p:spPr>
+        <p:txBody>
+          <a:bodyPr wrap="none" rtlCol="0">
+            <a:spAutoFit/>
+          </a:bodyPr>
+          <a:lstStyle/>
+          <a:p>
+            <a:r>
+              <a:rPr lang="en-US" sz="1200" dirty="0">
+                <a:latin typeface="Linux Biolinum" panose="02000503000000000000" pitchFamily="2" charset="0"/>
+                <a:ea typeface="Linux Biolinum" panose="02000503000000000000" pitchFamily="2" charset="0"/>
+                <a:cs typeface="Linux Biolinum" panose="02000503000000000000" pitchFamily="2" charset="0"/>
+              </a:rPr>
+              <a:t>in water</a:t>
+            </a:r>
+          </a:p>
+        </p:txBody>
+      </p:sp>
+      <p:sp>
+        <p:nvSpPr>
+          <p:cNvPr id="29" name="ZoneTexte 28">
+            <a:extLst>
+              <a:ext uri="{FF2B5EF4-FFF2-40B4-BE49-F238E27FC236}">
+                <a16:creationId xmlns:a16="http://schemas.microsoft.com/office/drawing/2014/main" id="{064450C4-015F-420A-A130-A5D4A548A03C}"/>
+              </a:ext>
+            </a:extLst>
+          </p:cNvPr>
+          <p:cNvSpPr txBox="1"/>
+          <p:nvPr/>
+        </p:nvSpPr>
+        <p:spPr>
+          <a:xfrm>
+            <a:off x="8251367" y="3365860"/>
+            <a:ext cx="1279517" cy="276999"/>
+          </a:xfrm>
+          <a:prstGeom prst="rect">
+            <a:avLst/>
+          </a:prstGeom>
+          <a:noFill/>
+        </p:spPr>
+        <p:txBody>
+          <a:bodyPr wrap="none" rtlCol="0">
+            <a:spAutoFit/>
+          </a:bodyPr>
+          <a:lstStyle/>
+          <a:p>
+            <a:r>
+              <a:rPr lang="en-US" sz="1200" dirty="0">
+                <a:latin typeface="Linux Biolinum" panose="02000503000000000000" pitchFamily="2" charset="0"/>
+                <a:ea typeface="Linux Biolinum" panose="02000503000000000000" pitchFamily="2" charset="0"/>
+                <a:cs typeface="Linux Biolinum" panose="02000503000000000000" pitchFamily="2" charset="0"/>
+              </a:rPr>
+              <a:t>in propylenglycol</a:t>
+            </a:r>
+          </a:p>
+        </p:txBody>
+      </p:sp>
+      <p:sp>
+        <p:nvSpPr>
+          <p:cNvPr id="30" name="ZoneTexte 29">
+            <a:extLst>
+              <a:ext uri="{FF2B5EF4-FFF2-40B4-BE49-F238E27FC236}">
+                <a16:creationId xmlns:a16="http://schemas.microsoft.com/office/drawing/2014/main" id="{AB7AB25E-F4F0-40A0-8F79-8E7C277FC550}"/>
+              </a:ext>
+            </a:extLst>
+          </p:cNvPr>
+          <p:cNvSpPr txBox="1"/>
+          <p:nvPr/>
+        </p:nvSpPr>
+        <p:spPr>
+          <a:xfrm>
+            <a:off x="8247011" y="3553096"/>
+            <a:ext cx="1279517" cy="276999"/>
+          </a:xfrm>
+          <a:prstGeom prst="rect">
+            <a:avLst/>
+          </a:prstGeom>
+          <a:noFill/>
+        </p:spPr>
+        <p:txBody>
+          <a:bodyPr wrap="none" rtlCol="0">
+            <a:spAutoFit/>
+          </a:bodyPr>
+          <a:lstStyle/>
+          <a:p>
+            <a:r>
+              <a:rPr lang="en-US" sz="1200" dirty="0">
+                <a:latin typeface="Linux Biolinum" panose="02000503000000000000" pitchFamily="2" charset="0"/>
+                <a:ea typeface="Linux Biolinum" panose="02000503000000000000" pitchFamily="2" charset="0"/>
+                <a:cs typeface="Linux Biolinum" panose="02000503000000000000" pitchFamily="2" charset="0"/>
+              </a:rPr>
+              <a:t>in propylenglycol</a:t>
             </a:r>
           </a:p>
         </p:txBody>
@@ -7015,7 +7297,7 @@
     </p:spTree>
     <p:extLst>
       <p:ext uri="{BB962C8B-B14F-4D97-AF65-F5344CB8AC3E}">
-        <p14:creationId xmlns:p14="http://schemas.microsoft.com/office/powerpoint/2010/main" val="1246131274"/>
+        <p14:creationId xmlns:p14="http://schemas.microsoft.com/office/powerpoint/2010/main" val="2810016576"/>
       </p:ext>
     </p:extLst>
   </p:cSld>
